--- a/preza/preza.pptx
+++ b/preza/preza.pptx
@@ -6,9 +6,11 @@
   </p:sldMasterIdLst>
   <p:sldIdLst>
     <p:sldId id="256" r:id="rId2"/>
-    <p:sldId id="263" r:id="rId3"/>
-    <p:sldId id="262" r:id="rId4"/>
-    <p:sldId id="261" r:id="rId5"/>
+    <p:sldId id="264" r:id="rId3"/>
+    <p:sldId id="267" r:id="rId4"/>
+    <p:sldId id="268" r:id="rId5"/>
+    <p:sldId id="262" r:id="rId6"/>
+    <p:sldId id="261" r:id="rId7"/>
   </p:sldIdLst>
   <p:sldSz cx="12192000" cy="6858000"/>
   <p:notesSz cx="6858000" cy="9144000"/>
@@ -3102,7 +3104,7 @@
         </p:nvSpPr>
         <p:spPr>
           <a:xfrm>
-            <a:off x="1374021" y="2408165"/>
+            <a:off x="1433015" y="2263154"/>
             <a:ext cx="7488832" cy="2331692"/>
           </a:xfrm>
           <a:prstGeom prst="rect">
@@ -3139,14 +3141,14 @@
               </a:lnSpc>
             </a:pPr>
             <a:r>
-              <a:rPr lang="ru-RU" altLang="ru-RU" sz="5400" b="1" dirty="0">
+              <a:rPr lang="ru-RU" altLang="ru-RU" sz="2800" b="1" dirty="0">
                 <a:solidFill>
                   <a:srgbClr val="0070C0"/>
                 </a:solidFill>
                 <a:latin typeface="Arial" panose="020B0604020202020204" pitchFamily="34" charset="0"/>
                 <a:cs typeface="Arial" panose="020B0604020202020204" pitchFamily="34" charset="0"/>
               </a:rPr>
-              <a:t>Тема презентации</a:t>
+              <a:t>Применение моделей компьютерного зрения для анализа туристической активности по геопривязанным изображениям из социальной сети «Вконтакте»</a:t>
             </a:r>
           </a:p>
         </p:txBody>
@@ -3159,7 +3161,7 @@
         </p:nvSpPr>
         <p:spPr>
           <a:xfrm>
-            <a:off x="1433015" y="4402951"/>
+            <a:off x="1433015" y="4594846"/>
             <a:ext cx="5534079" cy="892552"/>
           </a:xfrm>
           <a:prstGeom prst="rect">
@@ -3230,7 +3232,7 @@
           <p:cNvPr id="2" name="Title 1">
             <a:extLst>
               <a:ext uri="{FF2B5EF4-FFF2-40B4-BE49-F238E27FC236}">
-                <a16:creationId xmlns:a16="http://schemas.microsoft.com/office/drawing/2014/main" id="{4B545428-4BE3-EA71-A017-BA48B4FA686C}"/>
+                <a16:creationId xmlns:a16="http://schemas.microsoft.com/office/drawing/2014/main" id="{4E61619C-DBF2-75C3-8811-315FF9EB76F7}"/>
               </a:ext>
             </a:extLst>
           </p:cNvPr>
@@ -3241,12 +3243,22 @@
             <p:ph type="title"/>
           </p:nvPr>
         </p:nvSpPr>
-        <p:spPr/>
-        <p:txBody>
-          <a:bodyPr/>
-          <a:lstStyle/>
-          <a:p>
-            <a:endParaRPr lang="ru-RU" dirty="0"/>
+        <p:spPr>
+          <a:xfrm>
+            <a:off x="838200" y="1"/>
+            <a:ext cx="10515600" cy="1275450"/>
+          </a:xfrm>
+        </p:spPr>
+        <p:txBody>
+          <a:bodyPr>
+            <a:normAutofit/>
+          </a:bodyPr>
+          <a:lstStyle/>
+          <a:p>
+            <a:r>
+              <a:rPr lang="ru-RU" sz="4000" dirty="0"/>
+              <a:t>Почему выбрана социальная сеть «Вконтакте»</a:t>
+            </a:r>
           </a:p>
         </p:txBody>
       </p:sp>
@@ -3255,7 +3267,7 @@
           <p:cNvPr id="3" name="Content Placeholder 2">
             <a:extLst>
               <a:ext uri="{FF2B5EF4-FFF2-40B4-BE49-F238E27FC236}">
-                <a16:creationId xmlns:a16="http://schemas.microsoft.com/office/drawing/2014/main" id="{0CF7559D-425D-2C5A-1C62-52BEA6F58489}"/>
+                <a16:creationId xmlns:a16="http://schemas.microsoft.com/office/drawing/2014/main" id="{656C0A02-0A38-3AFD-0F88-24B4F94B22F0}"/>
               </a:ext>
             </a:extLst>
           </p:cNvPr>
@@ -3266,19 +3278,78 @@
             <p:ph idx="1"/>
           </p:nvPr>
         </p:nvSpPr>
-        <p:spPr/>
-        <p:txBody>
-          <a:bodyPr/>
-          <a:lstStyle/>
-          <a:p>
-            <a:endParaRPr lang="ru-RU"/>
+        <p:spPr>
+          <a:xfrm>
+            <a:off x="838200" y="1275450"/>
+            <a:ext cx="10515600" cy="5106299"/>
+          </a:xfrm>
+        </p:spPr>
+        <p:txBody>
+          <a:bodyPr/>
+          <a:lstStyle/>
+          <a:p>
+            <a:r>
+              <a:rPr lang="ru-RU" dirty="0"/>
+              <a:t>Крупнейшая русскоязычная социальная сеть</a:t>
+            </a:r>
+          </a:p>
+          <a:p>
+            <a:r>
+              <a:rPr lang="ru-RU" dirty="0"/>
+              <a:t>Покрывает 93% российской интернет-аудитории в возрасте 14-64 лет</a:t>
+            </a:r>
+          </a:p>
+          <a:p>
+            <a:r>
+              <a:rPr lang="ru-RU" dirty="0"/>
+              <a:t>В среднем пользователи проводят около 35 минут в день</a:t>
+            </a:r>
+          </a:p>
+          <a:p>
+            <a:r>
+              <a:rPr lang="en-US" dirty="0"/>
+              <a:t>Api </a:t>
+            </a:r>
+            <a:r>
+              <a:rPr lang="ru-RU" dirty="0"/>
+              <a:t>не имеет ограничений по количеству запросов и оно легкодоступное</a:t>
+            </a:r>
+          </a:p>
+          <a:p>
+            <a:r>
+              <a:rPr lang="en-US" dirty="0"/>
+              <a:t>Instagram/Facebook</a:t>
+            </a:r>
+            <a:r>
+              <a:rPr lang="ru-RU" dirty="0"/>
+              <a:t> обе сети</a:t>
+            </a:r>
+            <a:r>
+              <a:rPr lang="en-US" dirty="0"/>
+              <a:t> </a:t>
+            </a:r>
+            <a:r>
+              <a:rPr lang="ru-RU" dirty="0"/>
+              <a:t>имеют ограничения по количеству запросов – лимит </a:t>
+            </a:r>
+            <a:r>
+              <a:rPr lang="en-US" dirty="0"/>
+              <a:t>200 </a:t>
+            </a:r>
+            <a:r>
+              <a:rPr lang="ru-RU" dirty="0"/>
+              <a:t>запросов в час</a:t>
+            </a:r>
+          </a:p>
+          <a:p>
+            <a:endParaRPr lang="ru-RU" dirty="0"/>
           </a:p>
         </p:txBody>
       </p:sp>
     </p:spTree>
     <p:extLst>
       <p:ext uri="{BB962C8B-B14F-4D97-AF65-F5344CB8AC3E}">
-        <p14:creationId xmlns:p14="http://schemas.microsoft.com/office/powerpoint/2010/main" val="4233143520"/>
+        <p14:creationId xmlns:p14="http://schemas.microsoft.com/office/powerpoint/2010/main" val="978853920"/>
       </p:ext>
     </p:extLst>
   </p:cSld>
@@ -3289,6 +3360,432 @@
 </file>
 
 <file path=ppt/slides/slide3.xml><?xml version="1.0" encoding="utf-8"?>
+<p:sld xmlns:a="http://schemas.openxmlformats.org/drawingml/2006/main" xmlns:r="http://schemas.openxmlformats.org/officeDocument/2006/relationships" xmlns:p="http://schemas.openxmlformats.org/presentationml/2006/main">
+  <p:cSld>
+    <p:spTree>
+      <p:nvGrpSpPr>
+        <p:cNvPr id="1" name="">
+          <a:extLst>
+            <a:ext uri="{FF2B5EF4-FFF2-40B4-BE49-F238E27FC236}">
+              <a16:creationId xmlns:a16="http://schemas.microsoft.com/office/drawing/2014/main" id="{C8110A24-5AB0-49CB-0D1A-4175B1AEE500}"/>
+            </a:ext>
+          </a:extLst>
+        </p:cNvPr>
+        <p:cNvGrpSpPr/>
+        <p:nvPr/>
+      </p:nvGrpSpPr>
+      <p:grpSpPr>
+        <a:xfrm>
+          <a:off x="0" y="0"/>
+          <a:ext cx="0" cy="0"/>
+          <a:chOff x="0" y="0"/>
+          <a:chExt cx="0" cy="0"/>
+        </a:xfrm>
+      </p:grpSpPr>
+      <p:sp>
+        <p:nvSpPr>
+          <p:cNvPr id="2" name="Title 1">
+            <a:extLst>
+              <a:ext uri="{FF2B5EF4-FFF2-40B4-BE49-F238E27FC236}">
+                <a16:creationId xmlns:a16="http://schemas.microsoft.com/office/drawing/2014/main" id="{FA74CF60-C6F5-5425-F29B-32A146F79133}"/>
+              </a:ext>
+            </a:extLst>
+          </p:cNvPr>
+          <p:cNvSpPr>
+            <a:spLocks noGrp="1"/>
+          </p:cNvSpPr>
+          <p:nvPr>
+            <p:ph type="title"/>
+          </p:nvPr>
+        </p:nvSpPr>
+        <p:spPr>
+          <a:xfrm>
+            <a:off x="838200" y="1"/>
+            <a:ext cx="10515600" cy="1275450"/>
+          </a:xfrm>
+        </p:spPr>
+        <p:txBody>
+          <a:bodyPr>
+            <a:normAutofit/>
+          </a:bodyPr>
+          <a:lstStyle/>
+          <a:p>
+            <a:r>
+              <a:rPr lang="ru-RU" sz="4000" dirty="0"/>
+              <a:t>Сервис сбора данных </a:t>
+            </a:r>
+            <a:r>
+              <a:rPr lang="en-US" sz="4000" dirty="0" err="1"/>
+              <a:t>sndl</a:t>
+            </a:r>
+            <a:endParaRPr lang="ru-RU" sz="4000" dirty="0"/>
+          </a:p>
+        </p:txBody>
+      </p:sp>
+      <p:sp>
+        <p:nvSpPr>
+          <p:cNvPr id="3" name="Content Placeholder 2">
+            <a:extLst>
+              <a:ext uri="{FF2B5EF4-FFF2-40B4-BE49-F238E27FC236}">
+                <a16:creationId xmlns:a16="http://schemas.microsoft.com/office/drawing/2014/main" id="{DD051DDA-75F9-AE4C-5DFA-ACD2D6EB7713}"/>
+              </a:ext>
+            </a:extLst>
+          </p:cNvPr>
+          <p:cNvSpPr>
+            <a:spLocks noGrp="1"/>
+          </p:cNvSpPr>
+          <p:nvPr>
+            <p:ph idx="1"/>
+          </p:nvPr>
+        </p:nvSpPr>
+        <p:spPr>
+          <a:xfrm>
+            <a:off x="838200" y="1275450"/>
+            <a:ext cx="10515600" cy="1315349"/>
+          </a:xfrm>
+        </p:spPr>
+        <p:txBody>
+          <a:bodyPr>
+            <a:normAutofit fontScale="92500" lnSpcReduction="20000"/>
+          </a:bodyPr>
+          <a:lstStyle/>
+          <a:p>
+            <a:r>
+              <a:rPr lang="ru-RU" dirty="0"/>
+              <a:t>Данный сервис</a:t>
+            </a:r>
+            <a:r>
+              <a:rPr lang="en-US" dirty="0"/>
+              <a:t> </a:t>
+            </a:r>
+            <a:r>
+              <a:rPr lang="ru-RU" dirty="0"/>
+              <a:t>был написан в 2021 году, представляет собой</a:t>
+            </a:r>
+            <a:r>
+              <a:rPr lang="en-US" dirty="0"/>
+              <a:t> </a:t>
+            </a:r>
+            <a:r>
+              <a:rPr lang="ru-RU" dirty="0"/>
+              <a:t>программу автоматизации выгрузки данных использующий библиотеку </a:t>
+            </a:r>
+            <a:r>
+              <a:rPr lang="en-US" dirty="0"/>
+              <a:t>uber/h3 </a:t>
+            </a:r>
+            <a:r>
+              <a:rPr lang="ru-RU" dirty="0"/>
+              <a:t>для генерации точек в полигонах</a:t>
+            </a:r>
+            <a:r>
+              <a:rPr lang="en-US" dirty="0"/>
+              <a:t> </a:t>
+            </a:r>
+            <a:r>
+              <a:rPr lang="ru-RU" dirty="0"/>
+              <a:t>по координатам которых отправляются запросы к </a:t>
+            </a:r>
+            <a:r>
+              <a:rPr lang="en-US" dirty="0" err="1"/>
+              <a:t>api</a:t>
+            </a:r>
+            <a:r>
+              <a:rPr lang="en-US" dirty="0"/>
+              <a:t> </a:t>
+            </a:r>
+            <a:r>
+              <a:rPr lang="ru-RU" dirty="0"/>
+              <a:t>Вконтакте</a:t>
+            </a:r>
+            <a:endParaRPr lang="en-US" dirty="0"/>
+          </a:p>
+        </p:txBody>
+      </p:sp>
+      <p:pic>
+        <p:nvPicPr>
+          <p:cNvPr id="6" name="Picture 5">
+            <a:extLst>
+              <a:ext uri="{FF2B5EF4-FFF2-40B4-BE49-F238E27FC236}">
+                <a16:creationId xmlns:a16="http://schemas.microsoft.com/office/drawing/2014/main" id="{31672A01-C784-5461-EDDE-A6649EE441EE}"/>
+              </a:ext>
+            </a:extLst>
+          </p:cNvPr>
+          <p:cNvPicPr>
+            <a:picLocks noChangeAspect="1"/>
+          </p:cNvPicPr>
+          <p:nvPr/>
+        </p:nvPicPr>
+        <p:blipFill>
+          <a:blip r:embed="rId2"/>
+          <a:stretch>
+            <a:fillRect/>
+          </a:stretch>
+        </p:blipFill>
+        <p:spPr>
+          <a:xfrm>
+            <a:off x="91852" y="2590799"/>
+            <a:ext cx="3442120" cy="3372098"/>
+          </a:xfrm>
+          <a:prstGeom prst="rect">
+            <a:avLst/>
+          </a:prstGeom>
+        </p:spPr>
+      </p:pic>
+      <p:pic>
+        <p:nvPicPr>
+          <p:cNvPr id="8" name="Picture 7">
+            <a:extLst>
+              <a:ext uri="{FF2B5EF4-FFF2-40B4-BE49-F238E27FC236}">
+                <a16:creationId xmlns:a16="http://schemas.microsoft.com/office/drawing/2014/main" id="{C9FCF0D1-B9CC-1082-F0E6-B18086348834}"/>
+              </a:ext>
+            </a:extLst>
+          </p:cNvPr>
+          <p:cNvPicPr>
+            <a:picLocks noChangeAspect="1"/>
+          </p:cNvPicPr>
+          <p:nvPr/>
+        </p:nvPicPr>
+        <p:blipFill>
+          <a:blip r:embed="rId3"/>
+          <a:stretch>
+            <a:fillRect/>
+          </a:stretch>
+        </p:blipFill>
+        <p:spPr>
+          <a:xfrm>
+            <a:off x="3533972" y="2590799"/>
+            <a:ext cx="3668738" cy="3372098"/>
+          </a:xfrm>
+          <a:prstGeom prst="rect">
+            <a:avLst/>
+          </a:prstGeom>
+        </p:spPr>
+      </p:pic>
+      <p:sp>
+        <p:nvSpPr>
+          <p:cNvPr id="9" name="TextBox 8">
+            <a:extLst>
+              <a:ext uri="{FF2B5EF4-FFF2-40B4-BE49-F238E27FC236}">
+                <a16:creationId xmlns:a16="http://schemas.microsoft.com/office/drawing/2014/main" id="{5A10B983-3C81-76A0-EA61-BF82BB8249F8}"/>
+              </a:ext>
+            </a:extLst>
+          </p:cNvPr>
+          <p:cNvSpPr txBox="1"/>
+          <p:nvPr/>
+        </p:nvSpPr>
+        <p:spPr>
+          <a:xfrm>
+            <a:off x="2194374" y="6012180"/>
+            <a:ext cx="2679195" cy="369332"/>
+          </a:xfrm>
+          <a:prstGeom prst="rect">
+            <a:avLst/>
+          </a:prstGeom>
+          <a:noFill/>
+        </p:spPr>
+        <p:txBody>
+          <a:bodyPr wrap="none" rtlCol="0">
+            <a:spAutoFit/>
+          </a:bodyPr>
+          <a:lstStyle/>
+          <a:p>
+            <a:r>
+              <a:rPr lang="ru-RU" dirty="0"/>
+              <a:t>Ранние запуски на старте</a:t>
+            </a:r>
+          </a:p>
+        </p:txBody>
+      </p:sp>
+      <p:pic>
+        <p:nvPicPr>
+          <p:cNvPr id="12" name="Picture 11">
+            <a:extLst>
+              <a:ext uri="{FF2B5EF4-FFF2-40B4-BE49-F238E27FC236}">
+                <a16:creationId xmlns:a16="http://schemas.microsoft.com/office/drawing/2014/main" id="{4D179A8D-5B91-5C6F-712A-ACAD24B78930}"/>
+              </a:ext>
+            </a:extLst>
+          </p:cNvPr>
+          <p:cNvPicPr>
+            <a:picLocks noChangeAspect="1"/>
+          </p:cNvPicPr>
+          <p:nvPr/>
+        </p:nvPicPr>
+        <p:blipFill>
+          <a:blip r:embed="rId4"/>
+          <a:stretch>
+            <a:fillRect/>
+          </a:stretch>
+        </p:blipFill>
+        <p:spPr>
+          <a:xfrm>
+            <a:off x="7700961" y="2590799"/>
+            <a:ext cx="4228149" cy="3372098"/>
+          </a:xfrm>
+          <a:prstGeom prst="rect">
+            <a:avLst/>
+          </a:prstGeom>
+        </p:spPr>
+      </p:pic>
+      <p:sp>
+        <p:nvSpPr>
+          <p:cNvPr id="14" name="TextBox 13">
+            <a:extLst>
+              <a:ext uri="{FF2B5EF4-FFF2-40B4-BE49-F238E27FC236}">
+                <a16:creationId xmlns:a16="http://schemas.microsoft.com/office/drawing/2014/main" id="{5689BF06-6615-EACA-2B98-4E82F0765045}"/>
+              </a:ext>
+            </a:extLst>
+          </p:cNvPr>
+          <p:cNvSpPr txBox="1"/>
+          <p:nvPr/>
+        </p:nvSpPr>
+        <p:spPr>
+          <a:xfrm>
+            <a:off x="8315511" y="5962897"/>
+            <a:ext cx="3364230" cy="646331"/>
+          </a:xfrm>
+          <a:prstGeom prst="rect">
+            <a:avLst/>
+          </a:prstGeom>
+          <a:noFill/>
+        </p:spPr>
+        <p:txBody>
+          <a:bodyPr wrap="square">
+            <a:spAutoFit/>
+          </a:bodyPr>
+          <a:lstStyle/>
+          <a:p>
+            <a:pPr algn="ctr"/>
+            <a:r>
+              <a:rPr lang="ru-RU" dirty="0"/>
+              <a:t>Ежедневно собирается </a:t>
+            </a:r>
+            <a:r>
+              <a:rPr lang="en-US" dirty="0"/>
+              <a:t>~50 </a:t>
+            </a:r>
+            <a:r>
+              <a:rPr lang="ru-RU" dirty="0"/>
+              <a:t>тыс записей</a:t>
+            </a:r>
+          </a:p>
+        </p:txBody>
+      </p:sp>
+    </p:spTree>
+    <p:extLst>
+      <p:ext uri="{BB962C8B-B14F-4D97-AF65-F5344CB8AC3E}">
+        <p14:creationId xmlns:p14="http://schemas.microsoft.com/office/powerpoint/2010/main" val="2821412369"/>
+      </p:ext>
+    </p:extLst>
+  </p:cSld>
+  <p:clrMapOvr>
+    <a:masterClrMapping/>
+  </p:clrMapOvr>
+</p:sld>
+</file>
+
+<file path=ppt/slides/slide4.xml><?xml version="1.0" encoding="utf-8"?>
+<p:sld xmlns:a="http://schemas.openxmlformats.org/drawingml/2006/main" xmlns:r="http://schemas.openxmlformats.org/officeDocument/2006/relationships" xmlns:p="http://schemas.openxmlformats.org/presentationml/2006/main">
+  <p:cSld>
+    <p:spTree>
+      <p:nvGrpSpPr>
+        <p:cNvPr id="1" name="">
+          <a:extLst>
+            <a:ext uri="{FF2B5EF4-FFF2-40B4-BE49-F238E27FC236}">
+              <a16:creationId xmlns:a16="http://schemas.microsoft.com/office/drawing/2014/main" id="{05645E91-0B5C-C2FC-C983-7ACAE9DCBD7A}"/>
+            </a:ext>
+          </a:extLst>
+        </p:cNvPr>
+        <p:cNvGrpSpPr/>
+        <p:nvPr/>
+      </p:nvGrpSpPr>
+      <p:grpSpPr>
+        <a:xfrm>
+          <a:off x="0" y="0"/>
+          <a:ext cx="0" cy="0"/>
+          <a:chOff x="0" y="0"/>
+          <a:chExt cx="0" cy="0"/>
+        </a:xfrm>
+      </p:grpSpPr>
+      <p:sp>
+        <p:nvSpPr>
+          <p:cNvPr id="2" name="Title 1">
+            <a:extLst>
+              <a:ext uri="{FF2B5EF4-FFF2-40B4-BE49-F238E27FC236}">
+                <a16:creationId xmlns:a16="http://schemas.microsoft.com/office/drawing/2014/main" id="{B851D438-6A69-6BF0-9164-22C64BBC1366}"/>
+              </a:ext>
+            </a:extLst>
+          </p:cNvPr>
+          <p:cNvSpPr>
+            <a:spLocks noGrp="1"/>
+          </p:cNvSpPr>
+          <p:nvPr>
+            <p:ph type="title"/>
+          </p:nvPr>
+        </p:nvSpPr>
+        <p:spPr>
+          <a:xfrm>
+            <a:off x="838200" y="1"/>
+            <a:ext cx="10515600" cy="1275450"/>
+          </a:xfrm>
+        </p:spPr>
+        <p:txBody>
+          <a:bodyPr>
+            <a:normAutofit/>
+          </a:bodyPr>
+          <a:lstStyle/>
+          <a:p>
+            <a:r>
+              <a:rPr lang="ru-RU" sz="4000" dirty="0"/>
+              <a:t>Описание собранного датасета</a:t>
+            </a:r>
+          </a:p>
+        </p:txBody>
+      </p:sp>
+      <p:sp>
+        <p:nvSpPr>
+          <p:cNvPr id="3" name="Content Placeholder 2">
+            <a:extLst>
+              <a:ext uri="{FF2B5EF4-FFF2-40B4-BE49-F238E27FC236}">
+                <a16:creationId xmlns:a16="http://schemas.microsoft.com/office/drawing/2014/main" id="{45209E4B-137E-FB77-8C59-9AF6982522C9}"/>
+              </a:ext>
+            </a:extLst>
+          </p:cNvPr>
+          <p:cNvSpPr>
+            <a:spLocks noGrp="1"/>
+          </p:cNvSpPr>
+          <p:nvPr>
+            <p:ph idx="1"/>
+          </p:nvPr>
+        </p:nvSpPr>
+        <p:spPr>
+          <a:xfrm>
+            <a:off x="838200" y="1315085"/>
+            <a:ext cx="10515600" cy="4351338"/>
+          </a:xfrm>
+        </p:spPr>
+        <p:txBody>
+          <a:bodyPr/>
+          <a:lstStyle/>
+          <a:p>
+            <a:endParaRPr lang="ru-RU" dirty="0"/>
+          </a:p>
+        </p:txBody>
+      </p:sp>
+    </p:spTree>
+    <p:extLst>
+      <p:ext uri="{BB962C8B-B14F-4D97-AF65-F5344CB8AC3E}">
+        <p14:creationId xmlns:p14="http://schemas.microsoft.com/office/powerpoint/2010/main" val="1840221360"/>
+      </p:ext>
+    </p:extLst>
+  </p:cSld>
+  <p:clrMapOvr>
+    <a:masterClrMapping/>
+  </p:clrMapOvr>
+</p:sld>
+</file>
+
+<file path=ppt/slides/slide5.xml><?xml version="1.0" encoding="utf-8"?>
 <p:sld xmlns:a="http://schemas.openxmlformats.org/drawingml/2006/main" xmlns:r="http://schemas.openxmlformats.org/officeDocument/2006/relationships" xmlns:p="http://schemas.openxmlformats.org/presentationml/2006/main">
   <p:cSld>
     <p:spTree>
@@ -3374,7 +3871,7 @@
 </p:sld>
 </file>
 
-<file path=ppt/slides/slide4.xml><?xml version="1.0" encoding="utf-8"?>
+<file path=ppt/slides/slide6.xml><?xml version="1.0" encoding="utf-8"?>
 <p:sld xmlns:a="http://schemas.openxmlformats.org/drawingml/2006/main" xmlns:r="http://schemas.openxmlformats.org/officeDocument/2006/relationships" xmlns:p="http://schemas.openxmlformats.org/presentationml/2006/main">
   <p:cSld>
     <p:spTree>

--- a/preza/preza.pptx
+++ b/preza/preza.pptx
@@ -6,11 +6,12 @@
   </p:sldMasterIdLst>
   <p:sldIdLst>
     <p:sldId id="256" r:id="rId2"/>
-    <p:sldId id="264" r:id="rId3"/>
-    <p:sldId id="267" r:id="rId4"/>
-    <p:sldId id="268" r:id="rId5"/>
-    <p:sldId id="262" r:id="rId6"/>
-    <p:sldId id="261" r:id="rId7"/>
+    <p:sldId id="270" r:id="rId3"/>
+    <p:sldId id="271" r:id="rId4"/>
+    <p:sldId id="269" r:id="rId5"/>
+    <p:sldId id="261" r:id="rId6"/>
+    <p:sldId id="268" r:id="rId7"/>
+    <p:sldId id="262" r:id="rId8"/>
   </p:sldIdLst>
   <p:sldSz cx="12192000" cy="6858000"/>
   <p:notesSz cx="6858000" cy="9144000"/>
@@ -3215,7 +3216,13 @@
   <p:cSld>
     <p:spTree>
       <p:nvGrpSpPr>
-        <p:cNvPr id="1" name=""/>
+        <p:cNvPr id="1" name="">
+          <a:extLst>
+            <a:ext uri="{FF2B5EF4-FFF2-40B4-BE49-F238E27FC236}">
+              <a16:creationId xmlns:a16="http://schemas.microsoft.com/office/drawing/2014/main" id="{4134A6F6-D3E9-5392-BCD8-9C506469534D}"/>
+            </a:ext>
+          </a:extLst>
+        </p:cNvPr>
         <p:cNvGrpSpPr/>
         <p:nvPr/>
       </p:nvGrpSpPr>
@@ -3227,129 +3234,295 @@
           <a:chExt cx="0" cy="0"/>
         </a:xfrm>
       </p:grpSpPr>
-      <p:sp>
-        <p:nvSpPr>
-          <p:cNvPr id="2" name="Title 1">
+      <p:graphicFrame>
+        <p:nvGraphicFramePr>
+          <p:cNvPr id="12" name="Объект 11">
             <a:extLst>
               <a:ext uri="{FF2B5EF4-FFF2-40B4-BE49-F238E27FC236}">
-                <a16:creationId xmlns:a16="http://schemas.microsoft.com/office/drawing/2014/main" id="{4E61619C-DBF2-75C3-8811-315FF9EB76F7}"/>
+                <a16:creationId xmlns:a16="http://schemas.microsoft.com/office/drawing/2014/main" id="{D70CB8C3-02EC-8E55-2448-D1EC5277FE0B}"/>
               </a:ext>
             </a:extLst>
           </p:cNvPr>
-          <p:cNvSpPr>
-            <a:spLocks noGrp="1"/>
-          </p:cNvSpPr>
-          <p:nvPr>
-            <p:ph type="title"/>
-          </p:nvPr>
-        </p:nvSpPr>
-        <p:spPr>
-          <a:xfrm>
-            <a:off x="838200" y="1"/>
-            <a:ext cx="10515600" cy="1275450"/>
-          </a:xfrm>
-        </p:spPr>
-        <p:txBody>
-          <a:bodyPr>
-            <a:normAutofit/>
-          </a:bodyPr>
-          <a:lstStyle/>
-          <a:p>
-            <a:r>
-              <a:rPr lang="ru-RU" sz="4000" dirty="0"/>
-              <a:t>Почему выбрана социальная сеть «Вконтакте»</a:t>
-            </a:r>
-          </a:p>
-        </p:txBody>
-      </p:sp>
-      <p:sp>
-        <p:nvSpPr>
-          <p:cNvPr id="3" name="Content Placeholder 2">
+          <p:cNvGraphicFramePr>
+            <a:graphicFrameLocks noChangeAspect="1"/>
+          </p:cNvGraphicFramePr>
+          <p:nvPr/>
+        </p:nvGraphicFramePr>
+        <p:xfrm>
+          <a:off x="10289848" y="216259"/>
+          <a:ext cx="1282735" cy="446617"/>
+        </p:xfrm>
+        <a:graphic>
+          <a:graphicData uri="http://schemas.openxmlformats.org/presentationml/2006/ole">
+            <mc:AlternateContent xmlns:mc="http://schemas.openxmlformats.org/markup-compatibility/2006">
+              <mc:Choice xmlns:v="urn:schemas-microsoft-com:vml" Requires="v">
+                <p:oleObj name="CorelDRAW" r:id="rId2" imgW="2566457" imgH="894201" progId="CorelDraw.Graphic.22">
+                  <p:embed/>
+                </p:oleObj>
+              </mc:Choice>
+              <mc:Fallback>
+                <p:oleObj name="CorelDRAW" r:id="rId2" imgW="2566457" imgH="894201" progId="CorelDraw.Graphic.22">
+                  <p:embed/>
+                  <p:pic>
+                    <p:nvPicPr>
+                      <p:cNvPr id="12" name="Объект 11">
+                        <a:extLst>
+                          <a:ext uri="{FF2B5EF4-FFF2-40B4-BE49-F238E27FC236}">
+                            <a16:creationId xmlns:a16="http://schemas.microsoft.com/office/drawing/2014/main" id="{B694BE1D-9B07-A13F-537F-9A71BE55533E}"/>
+                          </a:ext>
+                        </a:extLst>
+                      </p:cNvPr>
+                      <p:cNvPicPr/>
+                      <p:nvPr/>
+                    </p:nvPicPr>
+                    <p:blipFill>
+                      <a:blip r:embed="rId3"/>
+                      <a:stretch>
+                        <a:fillRect/>
+                      </a:stretch>
+                    </p:blipFill>
+                    <p:spPr>
+                      <a:xfrm>
+                        <a:off x="10289848" y="216259"/>
+                        <a:ext cx="1282735" cy="446617"/>
+                      </a:xfrm>
+                      <a:prstGeom prst="rect">
+                        <a:avLst/>
+                      </a:prstGeom>
+                    </p:spPr>
+                  </p:pic>
+                </p:oleObj>
+              </mc:Fallback>
+            </mc:AlternateContent>
+          </a:graphicData>
+        </a:graphic>
+      </p:graphicFrame>
+      <p:sp>
+        <p:nvSpPr>
+          <p:cNvPr id="9" name="Прямоугольник 8">
             <a:extLst>
               <a:ext uri="{FF2B5EF4-FFF2-40B4-BE49-F238E27FC236}">
-                <a16:creationId xmlns:a16="http://schemas.microsoft.com/office/drawing/2014/main" id="{656C0A02-0A38-3AFD-0F88-24B4F94B22F0}"/>
+                <a16:creationId xmlns:a16="http://schemas.microsoft.com/office/drawing/2014/main" id="{2A44AFC4-B14F-5E16-ECFA-DC92AA3E11C4}"/>
               </a:ext>
             </a:extLst>
           </p:cNvPr>
-          <p:cNvSpPr>
-            <a:spLocks noGrp="1"/>
-          </p:cNvSpPr>
-          <p:nvPr>
-            <p:ph idx="1"/>
-          </p:nvPr>
+          <p:cNvSpPr/>
+          <p:nvPr/>
         </p:nvSpPr>
         <p:spPr>
           <a:xfrm>
-            <a:off x="838200" y="1275450"/>
-            <a:ext cx="10515600" cy="5106299"/>
+            <a:off x="986118" y="756621"/>
+            <a:ext cx="10586465" cy="21600"/>
           </a:xfrm>
+          <a:prstGeom prst="rect">
+            <a:avLst/>
+          </a:prstGeom>
+          <a:solidFill>
+            <a:srgbClr val="0070C0"/>
+          </a:solidFill>
+          <a:ln>
+            <a:noFill/>
+          </a:ln>
         </p:spPr>
-        <p:txBody>
-          <a:bodyPr/>
-          <a:lstStyle/>
-          <a:p>
-            <a:r>
-              <a:rPr lang="ru-RU" dirty="0"/>
+        <p:style>
+          <a:lnRef idx="2">
+            <a:schemeClr val="accent1">
+              <a:shade val="50000"/>
+            </a:schemeClr>
+          </a:lnRef>
+          <a:fillRef idx="1">
+            <a:schemeClr val="accent1"/>
+          </a:fillRef>
+          <a:effectRef idx="0">
+            <a:schemeClr val="accent1"/>
+          </a:effectRef>
+          <a:fontRef idx="minor">
+            <a:schemeClr val="lt1"/>
+          </a:fontRef>
+        </p:style>
+        <p:txBody>
+          <a:bodyPr rtlCol="0" anchor="ctr"/>
+          <a:lstStyle/>
+          <a:p>
+            <a:pPr algn="ctr"/>
+            <a:endParaRPr lang="ru-RU" dirty="0">
+              <a:solidFill>
+                <a:srgbClr val="7030A0"/>
+              </a:solidFill>
+            </a:endParaRPr>
+          </a:p>
+        </p:txBody>
+      </p:sp>
+      <p:pic>
+        <p:nvPicPr>
+          <p:cNvPr id="10" name="Рисунок 9">
+            <a:extLst>
+              <a:ext uri="{FF2B5EF4-FFF2-40B4-BE49-F238E27FC236}">
+                <a16:creationId xmlns:a16="http://schemas.microsoft.com/office/drawing/2014/main" id="{E249741F-7A75-D327-D572-5AB2D3520640}"/>
+              </a:ext>
+            </a:extLst>
+          </p:cNvPr>
+          <p:cNvPicPr>
+            <a:picLocks noChangeAspect="1"/>
+          </p:cNvPicPr>
+          <p:nvPr/>
+        </p:nvPicPr>
+        <p:blipFill>
+          <a:blip r:embed="rId4" cstate="print">
+            <a:extLst>
+              <a:ext uri="{28A0092B-C50C-407E-A947-70E740481C1C}">
+                <a14:useLocalDpi xmlns:a14="http://schemas.microsoft.com/office/drawing/2010/main" val="0"/>
+              </a:ext>
+            </a:extLst>
+          </a:blip>
+          <a:stretch>
+            <a:fillRect/>
+          </a:stretch>
+        </p:blipFill>
+        <p:spPr>
+          <a:xfrm>
+            <a:off x="653795" y="228173"/>
+            <a:ext cx="917722" cy="434968"/>
+          </a:xfrm>
+          <a:prstGeom prst="rect">
+            <a:avLst/>
+          </a:prstGeom>
+        </p:spPr>
+      </p:pic>
+      <p:sp>
+        <p:nvSpPr>
+          <p:cNvPr id="4" name="TextBox 3">
+            <a:extLst>
+              <a:ext uri="{FF2B5EF4-FFF2-40B4-BE49-F238E27FC236}">
+                <a16:creationId xmlns:a16="http://schemas.microsoft.com/office/drawing/2014/main" id="{0278404F-7DEB-9709-4AD1-DA49D11F1AC4}"/>
+              </a:ext>
+            </a:extLst>
+          </p:cNvPr>
+          <p:cNvSpPr txBox="1"/>
+          <p:nvPr/>
+        </p:nvSpPr>
+        <p:spPr>
+          <a:xfrm>
+            <a:off x="986118" y="778221"/>
+            <a:ext cx="10539132" cy="646331"/>
+          </a:xfrm>
+          <a:prstGeom prst="rect">
+            <a:avLst/>
+          </a:prstGeom>
+          <a:noFill/>
+        </p:spPr>
+        <p:txBody>
+          <a:bodyPr wrap="square">
+            <a:spAutoFit/>
+          </a:bodyPr>
+          <a:lstStyle/>
+          <a:p>
+            <a:r>
+              <a:rPr lang="ru-RU" sz="3600" dirty="0"/>
+              <a:t>Почему выбрана социальная сеть «Вконтакте»</a:t>
+            </a:r>
+          </a:p>
+        </p:txBody>
+      </p:sp>
+      <p:sp>
+        <p:nvSpPr>
+          <p:cNvPr id="5" name="TextBox 4">
+            <a:extLst>
+              <a:ext uri="{FF2B5EF4-FFF2-40B4-BE49-F238E27FC236}">
+                <a16:creationId xmlns:a16="http://schemas.microsoft.com/office/drawing/2014/main" id="{60E3DD1C-F8FB-33C9-8415-A52BDA255F50}"/>
+              </a:ext>
+            </a:extLst>
+          </p:cNvPr>
+          <p:cNvSpPr txBox="1"/>
+          <p:nvPr/>
+        </p:nvSpPr>
+        <p:spPr>
+          <a:xfrm>
+            <a:off x="986118" y="1424552"/>
+            <a:ext cx="10586464" cy="3970318"/>
+          </a:xfrm>
+          <a:prstGeom prst="rect">
+            <a:avLst/>
+          </a:prstGeom>
+          <a:noFill/>
+        </p:spPr>
+        <p:txBody>
+          <a:bodyPr wrap="square">
+            <a:spAutoFit/>
+          </a:bodyPr>
+          <a:lstStyle/>
+          <a:p>
+            <a:pPr marL="457200" indent="-457200">
+              <a:buFont typeface="Arial" panose="020B0604020202020204" pitchFamily="34" charset="0"/>
+              <a:buChar char="•"/>
+            </a:pPr>
+            <a:r>
+              <a:rPr lang="ru-RU" sz="2800" dirty="0"/>
               <a:t>Крупнейшая русскоязычная социальная сеть</a:t>
             </a:r>
-          </a:p>
-          <a:p>
-            <a:r>
-              <a:rPr lang="ru-RU" dirty="0"/>
+            <a:endParaRPr lang="en-US" sz="2800" dirty="0"/>
+          </a:p>
+          <a:p>
+            <a:pPr marL="457200" indent="-457200">
+              <a:buFont typeface="Arial" panose="020B0604020202020204" pitchFamily="34" charset="0"/>
+              <a:buChar char="•"/>
+            </a:pPr>
+            <a:r>
+              <a:rPr lang="ru-RU" sz="2800" dirty="0"/>
               <a:t>Покрывает 93% российской интернет-аудитории в возрасте 14-64 лет</a:t>
             </a:r>
-          </a:p>
-          <a:p>
-            <a:r>
-              <a:rPr lang="ru-RU" dirty="0"/>
+            <a:endParaRPr lang="en-US" sz="2800" dirty="0"/>
+          </a:p>
+          <a:p>
+            <a:pPr marL="457200" indent="-457200">
+              <a:buFont typeface="Arial" panose="020B0604020202020204" pitchFamily="34" charset="0"/>
+              <a:buChar char="•"/>
+            </a:pPr>
+            <a:r>
+              <a:rPr lang="ru-RU" sz="2800" dirty="0"/>
               <a:t>В среднем пользователи проводят около 35 минут в день</a:t>
             </a:r>
-          </a:p>
-          <a:p>
-            <a:r>
-              <a:rPr lang="en-US" dirty="0"/>
+            <a:endParaRPr lang="en-US" sz="2800" dirty="0"/>
+          </a:p>
+          <a:p>
+            <a:pPr marL="457200" indent="-457200">
+              <a:buFont typeface="Arial" panose="020B0604020202020204" pitchFamily="34" charset="0"/>
+              <a:buChar char="•"/>
+            </a:pPr>
+            <a:r>
+              <a:rPr lang="en-US" sz="2800" dirty="0"/>
               <a:t>Api </a:t>
             </a:r>
             <a:r>
-              <a:rPr lang="ru-RU" dirty="0"/>
+              <a:rPr lang="ru-RU" sz="2800" dirty="0"/>
               <a:t>не имеет ограничений по количеству запросов и оно легкодоступное</a:t>
             </a:r>
-          </a:p>
-          <a:p>
-            <a:r>
-              <a:rPr lang="en-US" dirty="0"/>
+            <a:endParaRPr lang="en-US" sz="2800" dirty="0"/>
+          </a:p>
+          <a:p>
+            <a:pPr marL="457200" indent="-457200">
+              <a:buFont typeface="Arial" panose="020B0604020202020204" pitchFamily="34" charset="0"/>
+              <a:buChar char="•"/>
+            </a:pPr>
+            <a:r>
+              <a:rPr lang="ru-RU" sz="2800" dirty="0"/>
+              <a:t>По сравнению с другими социальными сетями </a:t>
+            </a:r>
+            <a:r>
+              <a:rPr lang="en-US" sz="2800" dirty="0"/>
               <a:t>Instagram/Facebook</a:t>
             </a:r>
             <a:r>
-              <a:rPr lang="ru-RU" dirty="0"/>
-              <a:t> обе сети</a:t>
-            </a:r>
-            <a:r>
-              <a:rPr lang="en-US" dirty="0"/>
-              <a:t> </a:t>
-            </a:r>
-            <a:r>
-              <a:rPr lang="ru-RU" dirty="0"/>
-              <a:t>имеют ограничения по количеству запросов – лимит </a:t>
-            </a:r>
-            <a:r>
-              <a:rPr lang="en-US" dirty="0"/>
-              <a:t>200 </a:t>
-            </a:r>
-            <a:r>
-              <a:rPr lang="ru-RU" dirty="0"/>
-              <a:t>запросов в час</a:t>
-            </a:r>
-          </a:p>
-          <a:p>
-            <a:endParaRPr lang="ru-RU" dirty="0"/>
+              <a:rPr lang="ru-RU" sz="2800" dirty="0"/>
+              <a:t> имеют ограничения по количеству запросов – лимит 200 запросов в час</a:t>
+            </a:r>
           </a:p>
         </p:txBody>
       </p:sp>
     </p:spTree>
     <p:extLst>
       <p:ext uri="{BB962C8B-B14F-4D97-AF65-F5344CB8AC3E}">
-        <p14:creationId xmlns:p14="http://schemas.microsoft.com/office/powerpoint/2010/main" val="978853920"/>
+        <p14:creationId xmlns:p14="http://schemas.microsoft.com/office/powerpoint/2010/main" val="121449594"/>
       </p:ext>
     </p:extLst>
   </p:cSld>
@@ -3367,7 +3540,7 @@
         <p:cNvPr id="1" name="">
           <a:extLst>
             <a:ext uri="{FF2B5EF4-FFF2-40B4-BE49-F238E27FC236}">
-              <a16:creationId xmlns:a16="http://schemas.microsoft.com/office/drawing/2014/main" id="{C8110A24-5AB0-49CB-0D1A-4175B1AEE500}"/>
+              <a16:creationId xmlns:a16="http://schemas.microsoft.com/office/drawing/2014/main" id="{9B88B863-E91F-C0E7-61A3-A926629BDDD6}"/>
             </a:ext>
           </a:extLst>
         </p:cNvPr>
@@ -3382,132 +3555,131 @@
           <a:chExt cx="0" cy="0"/>
         </a:xfrm>
       </p:grpSpPr>
-      <p:sp>
-        <p:nvSpPr>
-          <p:cNvPr id="2" name="Title 1">
+      <p:graphicFrame>
+        <p:nvGraphicFramePr>
+          <p:cNvPr id="12" name="Объект 11">
             <a:extLst>
               <a:ext uri="{FF2B5EF4-FFF2-40B4-BE49-F238E27FC236}">
-                <a16:creationId xmlns:a16="http://schemas.microsoft.com/office/drawing/2014/main" id="{FA74CF60-C6F5-5425-F29B-32A146F79133}"/>
+                <a16:creationId xmlns:a16="http://schemas.microsoft.com/office/drawing/2014/main" id="{519F1C83-ED69-84DC-1170-D77C0B6CFEBD}"/>
               </a:ext>
             </a:extLst>
           </p:cNvPr>
-          <p:cNvSpPr>
-            <a:spLocks noGrp="1"/>
-          </p:cNvSpPr>
-          <p:nvPr>
-            <p:ph type="title"/>
-          </p:nvPr>
-        </p:nvSpPr>
-        <p:spPr>
-          <a:xfrm>
-            <a:off x="838200" y="1"/>
-            <a:ext cx="10515600" cy="1275450"/>
-          </a:xfrm>
-        </p:spPr>
-        <p:txBody>
-          <a:bodyPr>
-            <a:normAutofit/>
-          </a:bodyPr>
-          <a:lstStyle/>
-          <a:p>
-            <a:r>
-              <a:rPr lang="ru-RU" sz="4000" dirty="0"/>
-              <a:t>Сервис сбора данных </a:t>
-            </a:r>
-            <a:r>
-              <a:rPr lang="en-US" sz="4000" dirty="0" err="1"/>
-              <a:t>sndl</a:t>
-            </a:r>
-            <a:endParaRPr lang="ru-RU" sz="4000" dirty="0"/>
-          </a:p>
-        </p:txBody>
-      </p:sp>
-      <p:sp>
-        <p:nvSpPr>
-          <p:cNvPr id="3" name="Content Placeholder 2">
+          <p:cNvGraphicFramePr>
+            <a:graphicFrameLocks noChangeAspect="1"/>
+          </p:cNvGraphicFramePr>
+          <p:nvPr/>
+        </p:nvGraphicFramePr>
+        <p:xfrm>
+          <a:off x="10289848" y="216259"/>
+          <a:ext cx="1282735" cy="446617"/>
+        </p:xfrm>
+        <a:graphic>
+          <a:graphicData uri="http://schemas.openxmlformats.org/presentationml/2006/ole">
+            <mc:AlternateContent xmlns:mc="http://schemas.openxmlformats.org/markup-compatibility/2006">
+              <mc:Choice xmlns:v="urn:schemas-microsoft-com:vml" Requires="v">
+                <p:oleObj name="CorelDRAW" r:id="rId2" imgW="2566457" imgH="894201" progId="CorelDraw.Graphic.22">
+                  <p:embed/>
+                </p:oleObj>
+              </mc:Choice>
+              <mc:Fallback>
+                <p:oleObj name="CorelDRAW" r:id="rId2" imgW="2566457" imgH="894201" progId="CorelDraw.Graphic.22">
+                  <p:embed/>
+                  <p:pic>
+                    <p:nvPicPr>
+                      <p:cNvPr id="12" name="Объект 11">
+                        <a:extLst>
+                          <a:ext uri="{FF2B5EF4-FFF2-40B4-BE49-F238E27FC236}">
+                            <a16:creationId xmlns:a16="http://schemas.microsoft.com/office/drawing/2014/main" id="{D70CB8C3-02EC-8E55-2448-D1EC5277FE0B}"/>
+                          </a:ext>
+                        </a:extLst>
+                      </p:cNvPr>
+                      <p:cNvPicPr/>
+                      <p:nvPr/>
+                    </p:nvPicPr>
+                    <p:blipFill>
+                      <a:blip r:embed="rId3"/>
+                      <a:stretch>
+                        <a:fillRect/>
+                      </a:stretch>
+                    </p:blipFill>
+                    <p:spPr>
+                      <a:xfrm>
+                        <a:off x="10289848" y="216259"/>
+                        <a:ext cx="1282735" cy="446617"/>
+                      </a:xfrm>
+                      <a:prstGeom prst="rect">
+                        <a:avLst/>
+                      </a:prstGeom>
+                    </p:spPr>
+                  </p:pic>
+                </p:oleObj>
+              </mc:Fallback>
+            </mc:AlternateContent>
+          </a:graphicData>
+        </a:graphic>
+      </p:graphicFrame>
+      <p:sp>
+        <p:nvSpPr>
+          <p:cNvPr id="9" name="Прямоугольник 8">
             <a:extLst>
               <a:ext uri="{FF2B5EF4-FFF2-40B4-BE49-F238E27FC236}">
-                <a16:creationId xmlns:a16="http://schemas.microsoft.com/office/drawing/2014/main" id="{DD051DDA-75F9-AE4C-5DFA-ACD2D6EB7713}"/>
+                <a16:creationId xmlns:a16="http://schemas.microsoft.com/office/drawing/2014/main" id="{52C03EAA-D771-E768-AD07-6EAB96FB1F1E}"/>
               </a:ext>
             </a:extLst>
           </p:cNvPr>
-          <p:cNvSpPr>
-            <a:spLocks noGrp="1"/>
-          </p:cNvSpPr>
-          <p:nvPr>
-            <p:ph idx="1"/>
-          </p:nvPr>
+          <p:cNvSpPr/>
+          <p:nvPr/>
         </p:nvSpPr>
         <p:spPr>
           <a:xfrm>
-            <a:off x="838200" y="1275450"/>
-            <a:ext cx="10515600" cy="1315349"/>
+            <a:off x="986118" y="756621"/>
+            <a:ext cx="10586465" cy="21600"/>
           </a:xfrm>
+          <a:prstGeom prst="rect">
+            <a:avLst/>
+          </a:prstGeom>
+          <a:solidFill>
+            <a:srgbClr val="0070C0"/>
+          </a:solidFill>
+          <a:ln>
+            <a:noFill/>
+          </a:ln>
         </p:spPr>
-        <p:txBody>
-          <a:bodyPr>
-            <a:normAutofit fontScale="92500" lnSpcReduction="20000"/>
-          </a:bodyPr>
-          <a:lstStyle/>
-          <a:p>
-            <a:r>
-              <a:rPr lang="ru-RU" dirty="0"/>
-              <a:t>Данный сервис</a:t>
-            </a:r>
-            <a:r>
-              <a:rPr lang="en-US" dirty="0"/>
-              <a:t> </a:t>
-            </a:r>
-            <a:r>
-              <a:rPr lang="ru-RU" dirty="0"/>
-              <a:t>был написан в 2021 году, представляет собой</a:t>
-            </a:r>
-            <a:r>
-              <a:rPr lang="en-US" dirty="0"/>
-              <a:t> </a:t>
-            </a:r>
-            <a:r>
-              <a:rPr lang="ru-RU" dirty="0"/>
-              <a:t>программу автоматизации выгрузки данных использующий библиотеку </a:t>
-            </a:r>
-            <a:r>
-              <a:rPr lang="en-US" dirty="0"/>
-              <a:t>uber/h3 </a:t>
-            </a:r>
-            <a:r>
-              <a:rPr lang="ru-RU" dirty="0"/>
-              <a:t>для генерации точек в полигонах</a:t>
-            </a:r>
-            <a:r>
-              <a:rPr lang="en-US" dirty="0"/>
-              <a:t> </a:t>
-            </a:r>
-            <a:r>
-              <a:rPr lang="ru-RU" dirty="0"/>
-              <a:t>по координатам которых отправляются запросы к </a:t>
-            </a:r>
-            <a:r>
-              <a:rPr lang="en-US" dirty="0" err="1"/>
-              <a:t>api</a:t>
-            </a:r>
-            <a:r>
-              <a:rPr lang="en-US" dirty="0"/>
-              <a:t> </a:t>
-            </a:r>
-            <a:r>
-              <a:rPr lang="ru-RU" dirty="0"/>
-              <a:t>Вконтакте</a:t>
-            </a:r>
-            <a:endParaRPr lang="en-US" dirty="0"/>
+        <p:style>
+          <a:lnRef idx="2">
+            <a:schemeClr val="accent1">
+              <a:shade val="50000"/>
+            </a:schemeClr>
+          </a:lnRef>
+          <a:fillRef idx="1">
+            <a:schemeClr val="accent1"/>
+          </a:fillRef>
+          <a:effectRef idx="0">
+            <a:schemeClr val="accent1"/>
+          </a:effectRef>
+          <a:fontRef idx="minor">
+            <a:schemeClr val="lt1"/>
+          </a:fontRef>
+        </p:style>
+        <p:txBody>
+          <a:bodyPr rtlCol="0" anchor="ctr"/>
+          <a:lstStyle/>
+          <a:p>
+            <a:pPr algn="ctr"/>
+            <a:endParaRPr lang="ru-RU" dirty="0">
+              <a:solidFill>
+                <a:srgbClr val="7030A0"/>
+              </a:solidFill>
+            </a:endParaRPr>
           </a:p>
         </p:txBody>
       </p:sp>
       <p:pic>
         <p:nvPicPr>
-          <p:cNvPr id="6" name="Picture 5">
+          <p:cNvPr id="10" name="Рисунок 9">
             <a:extLst>
               <a:ext uri="{FF2B5EF4-FFF2-40B4-BE49-F238E27FC236}">
-                <a16:creationId xmlns:a16="http://schemas.microsoft.com/office/drawing/2014/main" id="{31672A01-C784-5461-EDDE-A6649EE441EE}"/>
+                <a16:creationId xmlns:a16="http://schemas.microsoft.com/office/drawing/2014/main" id="{5030B3D5-D0CD-D016-EFD5-6CE19DA5E903}"/>
               </a:ext>
             </a:extLst>
           </p:cNvPr>
@@ -3517,27 +3689,152 @@
           <p:nvPr/>
         </p:nvPicPr>
         <p:blipFill>
-          <a:blip r:embed="rId2"/>
+          <a:blip r:embed="rId4" cstate="print">
+            <a:extLst>
+              <a:ext uri="{28A0092B-C50C-407E-A947-70E740481C1C}">
+                <a14:useLocalDpi xmlns:a14="http://schemas.microsoft.com/office/drawing/2010/main" val="0"/>
+              </a:ext>
+            </a:extLst>
+          </a:blip>
           <a:stretch>
             <a:fillRect/>
           </a:stretch>
         </p:blipFill>
         <p:spPr>
           <a:xfrm>
-            <a:off x="91852" y="2590799"/>
-            <a:ext cx="3442120" cy="3372098"/>
+            <a:off x="653795" y="228173"/>
+            <a:ext cx="917722" cy="434968"/>
           </a:xfrm>
           <a:prstGeom prst="rect">
             <a:avLst/>
           </a:prstGeom>
         </p:spPr>
       </p:pic>
+      <p:sp>
+        <p:nvSpPr>
+          <p:cNvPr id="4" name="TextBox 3">
+            <a:extLst>
+              <a:ext uri="{FF2B5EF4-FFF2-40B4-BE49-F238E27FC236}">
+                <a16:creationId xmlns:a16="http://schemas.microsoft.com/office/drawing/2014/main" id="{C01F3635-EF64-410A-5CA7-6BF1AD8B03A8}"/>
+              </a:ext>
+            </a:extLst>
+          </p:cNvPr>
+          <p:cNvSpPr txBox="1"/>
+          <p:nvPr/>
+        </p:nvSpPr>
+        <p:spPr>
+          <a:xfrm>
+            <a:off x="986118" y="778221"/>
+            <a:ext cx="10539132" cy="646331"/>
+          </a:xfrm>
+          <a:prstGeom prst="rect">
+            <a:avLst/>
+          </a:prstGeom>
+          <a:noFill/>
+        </p:spPr>
+        <p:txBody>
+          <a:bodyPr wrap="square">
+            <a:spAutoFit/>
+          </a:bodyPr>
+          <a:lstStyle/>
+          <a:p>
+            <a:r>
+              <a:rPr lang="ru-RU" sz="3600" dirty="0"/>
+              <a:t>Сервис сбора данных «</a:t>
+            </a:r>
+            <a:r>
+              <a:rPr lang="en-US" sz="3600" dirty="0" err="1"/>
+              <a:t>sndl</a:t>
+            </a:r>
+            <a:r>
+              <a:rPr lang="ru-RU" sz="3600" dirty="0"/>
+              <a:t>»</a:t>
+            </a:r>
+          </a:p>
+        </p:txBody>
+      </p:sp>
+      <p:sp>
+        <p:nvSpPr>
+          <p:cNvPr id="5" name="TextBox 4">
+            <a:extLst>
+              <a:ext uri="{FF2B5EF4-FFF2-40B4-BE49-F238E27FC236}">
+                <a16:creationId xmlns:a16="http://schemas.microsoft.com/office/drawing/2014/main" id="{8904CE6E-5061-F263-1C37-AA10FB52B4DF}"/>
+              </a:ext>
+            </a:extLst>
+          </p:cNvPr>
+          <p:cNvSpPr txBox="1"/>
+          <p:nvPr/>
+        </p:nvSpPr>
+        <p:spPr>
+          <a:xfrm>
+            <a:off x="986118" y="1424552"/>
+            <a:ext cx="10586464" cy="1692771"/>
+          </a:xfrm>
+          <a:prstGeom prst="rect">
+            <a:avLst/>
+          </a:prstGeom>
+          <a:noFill/>
+        </p:spPr>
+        <p:txBody>
+          <a:bodyPr wrap="square">
+            <a:spAutoFit/>
+          </a:bodyPr>
+          <a:lstStyle/>
+          <a:p>
+            <a:pPr marL="457200" indent="-457200">
+              <a:buFont typeface="Arial" panose="020B0604020202020204" pitchFamily="34" charset="0"/>
+              <a:buChar char="•"/>
+            </a:pPr>
+            <a:r>
+              <a:rPr lang="ru-RU" sz="2600" dirty="0"/>
+              <a:t>Данный сервис был написан в 2021 году, представляет собой программу</a:t>
+            </a:r>
+            <a:r>
+              <a:rPr lang="en-US" sz="2600" dirty="0"/>
+              <a:t> </a:t>
+            </a:r>
+            <a:r>
+              <a:rPr lang="ru-RU" sz="2600" dirty="0"/>
+              <a:t>автоматизации выгрузки данных использующий библиотеку </a:t>
+            </a:r>
+            <a:r>
+              <a:rPr lang="en-US" sz="2600" dirty="0"/>
+              <a:t>uber/h3 </a:t>
+            </a:r>
+            <a:r>
+              <a:rPr lang="ru-RU" sz="2600" dirty="0"/>
+              <a:t>для генерации точек в полигонах</a:t>
+            </a:r>
+            <a:r>
+              <a:rPr lang="en-US" sz="2600" dirty="0"/>
+              <a:t> </a:t>
+            </a:r>
+            <a:r>
+              <a:rPr lang="ru-RU" sz="2600" dirty="0"/>
+              <a:t>по координатам которых отправляются запросы к </a:t>
+            </a:r>
+            <a:r>
+              <a:rPr lang="en-US" sz="2600" dirty="0" err="1"/>
+              <a:t>api</a:t>
+            </a:r>
+            <a:r>
+              <a:rPr lang="en-US" sz="2600" dirty="0"/>
+              <a:t> </a:t>
+            </a:r>
+            <a:r>
+              <a:rPr lang="ru-RU" sz="2600" dirty="0"/>
+              <a:t>Вконтакте</a:t>
+            </a:r>
+            <a:endParaRPr lang="en-US" sz="2600" dirty="0"/>
+          </a:p>
+        </p:txBody>
+      </p:sp>
       <p:pic>
         <p:nvPicPr>
-          <p:cNvPr id="8" name="Picture 7">
+          <p:cNvPr id="2" name="Picture 1">
             <a:extLst>
               <a:ext uri="{FF2B5EF4-FFF2-40B4-BE49-F238E27FC236}">
-                <a16:creationId xmlns:a16="http://schemas.microsoft.com/office/drawing/2014/main" id="{C9FCF0D1-B9CC-1082-F0E6-B18086348834}"/>
+                <a16:creationId xmlns:a16="http://schemas.microsoft.com/office/drawing/2014/main" id="{1AE582EB-F687-18EF-0EF8-9E061312F31A}"/>
               </a:ext>
             </a:extLst>
           </p:cNvPr>
@@ -3547,62 +3844,27 @@
           <p:nvPr/>
         </p:nvPicPr>
         <p:blipFill>
-          <a:blip r:embed="rId3"/>
+          <a:blip r:embed="rId5"/>
           <a:stretch>
             <a:fillRect/>
           </a:stretch>
         </p:blipFill>
         <p:spPr>
           <a:xfrm>
-            <a:off x="3533972" y="2590799"/>
-            <a:ext cx="3668738" cy="3372098"/>
+            <a:off x="286162" y="3117323"/>
+            <a:ext cx="3110534" cy="3047257"/>
           </a:xfrm>
           <a:prstGeom prst="rect">
             <a:avLst/>
           </a:prstGeom>
         </p:spPr>
       </p:pic>
-      <p:sp>
-        <p:nvSpPr>
-          <p:cNvPr id="9" name="TextBox 8">
+      <p:pic>
+        <p:nvPicPr>
+          <p:cNvPr id="3" name="Picture 2">
             <a:extLst>
               <a:ext uri="{FF2B5EF4-FFF2-40B4-BE49-F238E27FC236}">
-                <a16:creationId xmlns:a16="http://schemas.microsoft.com/office/drawing/2014/main" id="{5A10B983-3C81-76A0-EA61-BF82BB8249F8}"/>
-              </a:ext>
-            </a:extLst>
-          </p:cNvPr>
-          <p:cNvSpPr txBox="1"/>
-          <p:nvPr/>
-        </p:nvSpPr>
-        <p:spPr>
-          <a:xfrm>
-            <a:off x="2194374" y="6012180"/>
-            <a:ext cx="2679195" cy="369332"/>
-          </a:xfrm>
-          <a:prstGeom prst="rect">
-            <a:avLst/>
-          </a:prstGeom>
-          <a:noFill/>
-        </p:spPr>
-        <p:txBody>
-          <a:bodyPr wrap="none" rtlCol="0">
-            <a:spAutoFit/>
-          </a:bodyPr>
-          <a:lstStyle/>
-          <a:p>
-            <a:r>
-              <a:rPr lang="ru-RU" dirty="0"/>
-              <a:t>Ранние запуски на старте</a:t>
-            </a:r>
-          </a:p>
-        </p:txBody>
-      </p:sp>
-      <p:pic>
-        <p:nvPicPr>
-          <p:cNvPr id="12" name="Picture 11">
-            <a:extLst>
-              <a:ext uri="{FF2B5EF4-FFF2-40B4-BE49-F238E27FC236}">
-                <a16:creationId xmlns:a16="http://schemas.microsoft.com/office/drawing/2014/main" id="{4D179A8D-5B91-5C6F-712A-ACAD24B78930}"/>
+                <a16:creationId xmlns:a16="http://schemas.microsoft.com/office/drawing/2014/main" id="{21D4DACB-4A7F-D3A2-EF3B-DAF4A7A8BD68}"/>
               </a:ext>
             </a:extLst>
           </p:cNvPr>
@@ -3612,27 +3874,57 @@
           <p:nvPr/>
         </p:nvPicPr>
         <p:blipFill>
-          <a:blip r:embed="rId4"/>
+          <a:blip r:embed="rId6"/>
           <a:stretch>
             <a:fillRect/>
           </a:stretch>
         </p:blipFill>
         <p:spPr>
           <a:xfrm>
-            <a:off x="7700961" y="2590799"/>
-            <a:ext cx="4228149" cy="3372098"/>
+            <a:off x="3396696" y="3117323"/>
+            <a:ext cx="3315322" cy="3047257"/>
           </a:xfrm>
           <a:prstGeom prst="rect">
             <a:avLst/>
           </a:prstGeom>
         </p:spPr>
       </p:pic>
-      <p:sp>
-        <p:nvSpPr>
-          <p:cNvPr id="14" name="TextBox 13">
+      <p:pic>
+        <p:nvPicPr>
+          <p:cNvPr id="6" name="Picture 5">
             <a:extLst>
               <a:ext uri="{FF2B5EF4-FFF2-40B4-BE49-F238E27FC236}">
-                <a16:creationId xmlns:a16="http://schemas.microsoft.com/office/drawing/2014/main" id="{5689BF06-6615-EACA-2B98-4E82F0765045}"/>
+                <a16:creationId xmlns:a16="http://schemas.microsoft.com/office/drawing/2014/main" id="{263FDC08-5F21-5BC1-BC16-473C82DEBD6A}"/>
+              </a:ext>
+            </a:extLst>
+          </p:cNvPr>
+          <p:cNvPicPr>
+            <a:picLocks noChangeAspect="1"/>
+          </p:cNvPicPr>
+          <p:nvPr/>
+        </p:nvPicPr>
+        <p:blipFill>
+          <a:blip r:embed="rId7"/>
+          <a:stretch>
+            <a:fillRect/>
+          </a:stretch>
+        </p:blipFill>
+        <p:spPr>
+          <a:xfrm>
+            <a:off x="7810286" y="3117323"/>
+            <a:ext cx="3820842" cy="3047257"/>
+          </a:xfrm>
+          <a:prstGeom prst="rect">
+            <a:avLst/>
+          </a:prstGeom>
+        </p:spPr>
+      </p:pic>
+      <p:sp>
+        <p:nvSpPr>
+          <p:cNvPr id="8" name="TextBox 7">
+            <a:extLst>
+              <a:ext uri="{FF2B5EF4-FFF2-40B4-BE49-F238E27FC236}">
+                <a16:creationId xmlns:a16="http://schemas.microsoft.com/office/drawing/2014/main" id="{9600F788-D706-4F18-4B48-35C63B0E4ABB}"/>
               </a:ext>
             </a:extLst>
           </p:cNvPr>
@@ -3641,8 +3933,8 @@
         </p:nvSpPr>
         <p:spPr>
           <a:xfrm>
-            <a:off x="8315511" y="5962897"/>
-            <a:ext cx="3364230" cy="646331"/>
+            <a:off x="2045970" y="6164580"/>
+            <a:ext cx="2788920" cy="369332"/>
           </a:xfrm>
           <a:prstGeom prst="rect">
             <a:avLst/>
@@ -3655,6 +3947,41 @@
           </a:bodyPr>
           <a:lstStyle/>
           <a:p>
+            <a:r>
+              <a:rPr lang="ru-RU" dirty="0"/>
+              <a:t>Ранние запуски на старте</a:t>
+            </a:r>
+          </a:p>
+        </p:txBody>
+      </p:sp>
+      <p:sp>
+        <p:nvSpPr>
+          <p:cNvPr id="13" name="TextBox 12">
+            <a:extLst>
+              <a:ext uri="{FF2B5EF4-FFF2-40B4-BE49-F238E27FC236}">
+                <a16:creationId xmlns:a16="http://schemas.microsoft.com/office/drawing/2014/main" id="{ACED01CC-51F6-0E15-E7EA-62913A0815B0}"/>
+              </a:ext>
+            </a:extLst>
+          </p:cNvPr>
+          <p:cNvSpPr txBox="1"/>
+          <p:nvPr/>
+        </p:nvSpPr>
+        <p:spPr>
+          <a:xfrm>
+            <a:off x="7580335" y="6164580"/>
+            <a:ext cx="4280743" cy="369332"/>
+          </a:xfrm>
+          <a:prstGeom prst="rect">
+            <a:avLst/>
+          </a:prstGeom>
+          <a:noFill/>
+        </p:spPr>
+        <p:txBody>
+          <a:bodyPr wrap="square">
+            <a:spAutoFit/>
+          </a:bodyPr>
+          <a:lstStyle/>
+          <a:p>
             <a:pPr algn="ctr"/>
             <a:r>
               <a:rPr lang="ru-RU" dirty="0"/>
@@ -3674,7 +4001,7 @@
     </p:spTree>
     <p:extLst>
       <p:ext uri="{BB962C8B-B14F-4D97-AF65-F5344CB8AC3E}">
-        <p14:creationId xmlns:p14="http://schemas.microsoft.com/office/powerpoint/2010/main" val="2821412369"/>
+        <p14:creationId xmlns:p14="http://schemas.microsoft.com/office/powerpoint/2010/main" val="3776348437"/>
       </p:ext>
     </p:extLst>
   </p:cSld>
@@ -3692,7 +4019,7 @@
         <p:cNvPr id="1" name="">
           <a:extLst>
             <a:ext uri="{FF2B5EF4-FFF2-40B4-BE49-F238E27FC236}">
-              <a16:creationId xmlns:a16="http://schemas.microsoft.com/office/drawing/2014/main" id="{05645E91-0B5C-C2FC-C983-7ACAE9DCBD7A}"/>
+              <a16:creationId xmlns:a16="http://schemas.microsoft.com/office/drawing/2014/main" id="{42E657A2-3ECE-5F7A-718B-402720B7FD32}"/>
             </a:ext>
           </a:extLst>
         </p:cNvPr>
@@ -3707,75 +4034,224 @@
           <a:chExt cx="0" cy="0"/>
         </a:xfrm>
       </p:grpSpPr>
-      <p:sp>
-        <p:nvSpPr>
-          <p:cNvPr id="2" name="Title 1">
+      <p:graphicFrame>
+        <p:nvGraphicFramePr>
+          <p:cNvPr id="12" name="Объект 11">
             <a:extLst>
               <a:ext uri="{FF2B5EF4-FFF2-40B4-BE49-F238E27FC236}">
-                <a16:creationId xmlns:a16="http://schemas.microsoft.com/office/drawing/2014/main" id="{B851D438-6A69-6BF0-9164-22C64BBC1366}"/>
+                <a16:creationId xmlns:a16="http://schemas.microsoft.com/office/drawing/2014/main" id="{B694BE1D-9B07-A13F-537F-9A71BE55533E}"/>
               </a:ext>
             </a:extLst>
           </p:cNvPr>
-          <p:cNvSpPr>
-            <a:spLocks noGrp="1"/>
-          </p:cNvSpPr>
-          <p:nvPr>
-            <p:ph type="title"/>
-          </p:nvPr>
-        </p:nvSpPr>
-        <p:spPr>
-          <a:xfrm>
-            <a:off x="838200" y="1"/>
-            <a:ext cx="10515600" cy="1275450"/>
-          </a:xfrm>
-        </p:spPr>
-        <p:txBody>
-          <a:bodyPr>
-            <a:normAutofit/>
-          </a:bodyPr>
-          <a:lstStyle/>
-          <a:p>
-            <a:r>
-              <a:rPr lang="ru-RU" sz="4000" dirty="0"/>
-              <a:t>Описание собранного датасета</a:t>
-            </a:r>
-          </a:p>
-        </p:txBody>
-      </p:sp>
-      <p:sp>
-        <p:nvSpPr>
-          <p:cNvPr id="3" name="Content Placeholder 2">
+          <p:cNvGraphicFramePr>
+            <a:graphicFrameLocks noChangeAspect="1"/>
+          </p:cNvGraphicFramePr>
+          <p:nvPr/>
+        </p:nvGraphicFramePr>
+        <p:xfrm>
+          <a:off x="10289848" y="216259"/>
+          <a:ext cx="1282735" cy="446617"/>
+        </p:xfrm>
+        <a:graphic>
+          <a:graphicData uri="http://schemas.openxmlformats.org/presentationml/2006/ole">
+            <mc:AlternateContent xmlns:mc="http://schemas.openxmlformats.org/markup-compatibility/2006">
+              <mc:Choice xmlns:v="urn:schemas-microsoft-com:vml" Requires="v">
+                <p:oleObj name="CorelDRAW" r:id="rId2" imgW="2566457" imgH="894201" progId="CorelDraw.Graphic.22">
+                  <p:embed/>
+                </p:oleObj>
+              </mc:Choice>
+              <mc:Fallback>
+                <p:oleObj name="CorelDRAW" r:id="rId2" imgW="2566457" imgH="894201" progId="CorelDraw.Graphic.22">
+                  <p:embed/>
+                  <p:pic>
+                    <p:nvPicPr>
+                      <p:cNvPr id="12" name="Объект 11"/>
+                      <p:cNvPicPr/>
+                      <p:nvPr/>
+                    </p:nvPicPr>
+                    <p:blipFill>
+                      <a:blip r:embed="rId3"/>
+                      <a:stretch>
+                        <a:fillRect/>
+                      </a:stretch>
+                    </p:blipFill>
+                    <p:spPr>
+                      <a:xfrm>
+                        <a:off x="10289848" y="216259"/>
+                        <a:ext cx="1282735" cy="446617"/>
+                      </a:xfrm>
+                      <a:prstGeom prst="rect">
+                        <a:avLst/>
+                      </a:prstGeom>
+                    </p:spPr>
+                  </p:pic>
+                </p:oleObj>
+              </mc:Fallback>
+            </mc:AlternateContent>
+          </a:graphicData>
+        </a:graphic>
+      </p:graphicFrame>
+      <p:sp>
+        <p:nvSpPr>
+          <p:cNvPr id="9" name="Прямоугольник 8">
             <a:extLst>
               <a:ext uri="{FF2B5EF4-FFF2-40B4-BE49-F238E27FC236}">
-                <a16:creationId xmlns:a16="http://schemas.microsoft.com/office/drawing/2014/main" id="{45209E4B-137E-FB77-8C59-9AF6982522C9}"/>
+                <a16:creationId xmlns:a16="http://schemas.microsoft.com/office/drawing/2014/main" id="{FDB79DBF-EEA8-9DF7-670F-4F0B6825CEF7}"/>
               </a:ext>
             </a:extLst>
           </p:cNvPr>
-          <p:cNvSpPr>
-            <a:spLocks noGrp="1"/>
-          </p:cNvSpPr>
-          <p:nvPr>
-            <p:ph idx="1"/>
-          </p:nvPr>
+          <p:cNvSpPr/>
+          <p:nvPr/>
         </p:nvSpPr>
         <p:spPr>
           <a:xfrm>
-            <a:off x="838200" y="1315085"/>
-            <a:ext cx="10515600" cy="4351338"/>
+            <a:off x="986118" y="756621"/>
+            <a:ext cx="10586465" cy="21600"/>
           </a:xfrm>
+          <a:prstGeom prst="rect">
+            <a:avLst/>
+          </a:prstGeom>
+          <a:solidFill>
+            <a:srgbClr val="0070C0"/>
+          </a:solidFill>
+          <a:ln>
+            <a:noFill/>
+          </a:ln>
         </p:spPr>
-        <p:txBody>
-          <a:bodyPr/>
-          <a:lstStyle/>
-          <a:p>
-            <a:endParaRPr lang="ru-RU" dirty="0"/>
+        <p:style>
+          <a:lnRef idx="2">
+            <a:schemeClr val="accent1">
+              <a:shade val="50000"/>
+            </a:schemeClr>
+          </a:lnRef>
+          <a:fillRef idx="1">
+            <a:schemeClr val="accent1"/>
+          </a:fillRef>
+          <a:effectRef idx="0">
+            <a:schemeClr val="accent1"/>
+          </a:effectRef>
+          <a:fontRef idx="minor">
+            <a:schemeClr val="lt1"/>
+          </a:fontRef>
+        </p:style>
+        <p:txBody>
+          <a:bodyPr rtlCol="0" anchor="ctr"/>
+          <a:lstStyle/>
+          <a:p>
+            <a:pPr algn="ctr"/>
+            <a:endParaRPr lang="ru-RU" dirty="0">
+              <a:solidFill>
+                <a:srgbClr val="7030A0"/>
+              </a:solidFill>
+            </a:endParaRPr>
+          </a:p>
+        </p:txBody>
+      </p:sp>
+      <p:pic>
+        <p:nvPicPr>
+          <p:cNvPr id="10" name="Рисунок 9">
+            <a:extLst>
+              <a:ext uri="{FF2B5EF4-FFF2-40B4-BE49-F238E27FC236}">
+                <a16:creationId xmlns:a16="http://schemas.microsoft.com/office/drawing/2014/main" id="{D48E5ED5-6BF4-1F00-B4D4-907191BECAD1}"/>
+              </a:ext>
+            </a:extLst>
+          </p:cNvPr>
+          <p:cNvPicPr>
+            <a:picLocks noChangeAspect="1"/>
+          </p:cNvPicPr>
+          <p:nvPr/>
+        </p:nvPicPr>
+        <p:blipFill>
+          <a:blip r:embed="rId4" cstate="print">
+            <a:extLst>
+              <a:ext uri="{28A0092B-C50C-407E-A947-70E740481C1C}">
+                <a14:useLocalDpi xmlns:a14="http://schemas.microsoft.com/office/drawing/2010/main" val="0"/>
+              </a:ext>
+            </a:extLst>
+          </a:blip>
+          <a:stretch>
+            <a:fillRect/>
+          </a:stretch>
+        </p:blipFill>
+        <p:spPr>
+          <a:xfrm>
+            <a:off x="653795" y="228173"/>
+            <a:ext cx="917722" cy="434968"/>
+          </a:xfrm>
+          <a:prstGeom prst="rect">
+            <a:avLst/>
+          </a:prstGeom>
+        </p:spPr>
+      </p:pic>
+      <p:pic>
+        <p:nvPicPr>
+          <p:cNvPr id="3" name="Picture 2">
+            <a:extLst>
+              <a:ext uri="{FF2B5EF4-FFF2-40B4-BE49-F238E27FC236}">
+                <a16:creationId xmlns:a16="http://schemas.microsoft.com/office/drawing/2014/main" id="{3F49C42C-4B3E-9C06-12BC-F37C26624123}"/>
+              </a:ext>
+            </a:extLst>
+          </p:cNvPr>
+          <p:cNvPicPr>
+            <a:picLocks noChangeAspect="1"/>
+          </p:cNvPicPr>
+          <p:nvPr/>
+        </p:nvPicPr>
+        <p:blipFill>
+          <a:blip r:embed="rId5"/>
+          <a:stretch>
+            <a:fillRect/>
+          </a:stretch>
+        </p:blipFill>
+        <p:spPr>
+          <a:xfrm>
+            <a:off x="5521383" y="1486107"/>
+            <a:ext cx="6348380" cy="4265318"/>
+          </a:xfrm>
+          <a:prstGeom prst="rect">
+            <a:avLst/>
+          </a:prstGeom>
+        </p:spPr>
+      </p:pic>
+      <p:sp>
+        <p:nvSpPr>
+          <p:cNvPr id="4" name="TextBox 3">
+            <a:extLst>
+              <a:ext uri="{FF2B5EF4-FFF2-40B4-BE49-F238E27FC236}">
+                <a16:creationId xmlns:a16="http://schemas.microsoft.com/office/drawing/2014/main" id="{9F375B85-45BA-7172-68FF-EBA0F9719A8F}"/>
+              </a:ext>
+            </a:extLst>
+          </p:cNvPr>
+          <p:cNvSpPr txBox="1"/>
+          <p:nvPr/>
+        </p:nvSpPr>
+        <p:spPr>
+          <a:xfrm>
+            <a:off x="986117" y="778221"/>
+            <a:ext cx="10586465" cy="707886"/>
+          </a:xfrm>
+          <a:prstGeom prst="rect">
+            <a:avLst/>
+          </a:prstGeom>
+          <a:noFill/>
+        </p:spPr>
+        <p:txBody>
+          <a:bodyPr wrap="square">
+            <a:spAutoFit/>
+          </a:bodyPr>
+          <a:lstStyle/>
+          <a:p>
+            <a:r>
+              <a:rPr lang="ru-RU" sz="4000" dirty="0"/>
+              <a:t>Выборка из датасета</a:t>
+            </a:r>
           </a:p>
         </p:txBody>
       </p:sp>
     </p:spTree>
     <p:extLst>
       <p:ext uri="{BB962C8B-B14F-4D97-AF65-F5344CB8AC3E}">
-        <p14:creationId xmlns:p14="http://schemas.microsoft.com/office/powerpoint/2010/main" val="1840221360"/>
+        <p14:creationId xmlns:p14="http://schemas.microsoft.com/office/powerpoint/2010/main" val="1770903696"/>
       </p:ext>
     </p:extLst>
   </p:cSld>
@@ -3786,92 +4262,6 @@
 </file>
 
 <file path=ppt/slides/slide5.xml><?xml version="1.0" encoding="utf-8"?>
-<p:sld xmlns:a="http://schemas.openxmlformats.org/drawingml/2006/main" xmlns:r="http://schemas.openxmlformats.org/officeDocument/2006/relationships" xmlns:p="http://schemas.openxmlformats.org/presentationml/2006/main">
-  <p:cSld>
-    <p:spTree>
-      <p:nvGrpSpPr>
-        <p:cNvPr id="1" name=""/>
-        <p:cNvGrpSpPr/>
-        <p:nvPr/>
-      </p:nvGrpSpPr>
-      <p:grpSpPr>
-        <a:xfrm>
-          <a:off x="0" y="0"/>
-          <a:ext cx="0" cy="0"/>
-          <a:chOff x="0" y="0"/>
-          <a:chExt cx="0" cy="0"/>
-        </a:xfrm>
-      </p:grpSpPr>
-      <p:sp>
-        <p:nvSpPr>
-          <p:cNvPr id="2" name="Title 1">
-            <a:extLst>
-              <a:ext uri="{FF2B5EF4-FFF2-40B4-BE49-F238E27FC236}">
-                <a16:creationId xmlns:a16="http://schemas.microsoft.com/office/drawing/2014/main" id="{79B07062-587E-9A4D-6824-84FA52E45CD4}"/>
-              </a:ext>
-            </a:extLst>
-          </p:cNvPr>
-          <p:cNvSpPr>
-            <a:spLocks noGrp="1"/>
-          </p:cNvSpPr>
-          <p:nvPr>
-            <p:ph type="title"/>
-          </p:nvPr>
-        </p:nvSpPr>
-        <p:spPr/>
-        <p:txBody>
-          <a:bodyPr/>
-          <a:lstStyle/>
-          <a:p>
-            <a:r>
-              <a:rPr lang="ru-RU" dirty="0"/>
-              <a:t>Описание датасета</a:t>
-            </a:r>
-          </a:p>
-        </p:txBody>
-      </p:sp>
-      <p:sp>
-        <p:nvSpPr>
-          <p:cNvPr id="3" name="Content Placeholder 2">
-            <a:extLst>
-              <a:ext uri="{FF2B5EF4-FFF2-40B4-BE49-F238E27FC236}">
-                <a16:creationId xmlns:a16="http://schemas.microsoft.com/office/drawing/2014/main" id="{B3792857-A479-4198-DAED-C7A36B3A9DC9}"/>
-              </a:ext>
-            </a:extLst>
-          </p:cNvPr>
-          <p:cNvSpPr>
-            <a:spLocks noGrp="1"/>
-          </p:cNvSpPr>
-          <p:nvPr>
-            <p:ph idx="1"/>
-          </p:nvPr>
-        </p:nvSpPr>
-        <p:spPr/>
-        <p:txBody>
-          <a:bodyPr/>
-          <a:lstStyle/>
-          <a:p>
-            <a:r>
-              <a:rPr lang="ru-RU" dirty="0"/>
-              <a:t>На сегодняшний день</a:t>
-            </a:r>
-          </a:p>
-        </p:txBody>
-      </p:sp>
-    </p:spTree>
-    <p:extLst>
-      <p:ext uri="{BB962C8B-B14F-4D97-AF65-F5344CB8AC3E}">
-        <p14:creationId xmlns:p14="http://schemas.microsoft.com/office/powerpoint/2010/main" val="1533542319"/>
-      </p:ext>
-    </p:extLst>
-  </p:cSld>
-  <p:clrMapOvr>
-    <a:masterClrMapping/>
-  </p:clrMapOvr>
-</p:sld>
-</file>
-
-<file path=ppt/slides/slide6.xml><?xml version="1.0" encoding="utf-8"?>
 <p:sld xmlns:a="http://schemas.openxmlformats.org/drawingml/2006/main" xmlns:r="http://schemas.openxmlformats.org/officeDocument/2006/relationships" xmlns:p="http://schemas.openxmlformats.org/presentationml/2006/main">
   <p:cSld>
     <p:spTree>
@@ -4047,7 +4437,7 @@
         </p:blipFill>
         <p:spPr>
           <a:xfrm>
-            <a:off x="5224203" y="871701"/>
+            <a:off x="5285163" y="2239491"/>
             <a:ext cx="6348380" cy="4265318"/>
           </a:xfrm>
           <a:prstGeom prst="rect">
@@ -4059,6 +4449,193 @@
     <p:extLst>
       <p:ext uri="{BB962C8B-B14F-4D97-AF65-F5344CB8AC3E}">
         <p14:creationId xmlns:p14="http://schemas.microsoft.com/office/powerpoint/2010/main" val="1742448173"/>
+      </p:ext>
+    </p:extLst>
+  </p:cSld>
+  <p:clrMapOvr>
+    <a:masterClrMapping/>
+  </p:clrMapOvr>
+</p:sld>
+</file>
+
+<file path=ppt/slides/slide6.xml><?xml version="1.0" encoding="utf-8"?>
+<p:sld xmlns:a="http://schemas.openxmlformats.org/drawingml/2006/main" xmlns:r="http://schemas.openxmlformats.org/officeDocument/2006/relationships" xmlns:p="http://schemas.openxmlformats.org/presentationml/2006/main">
+  <p:cSld>
+    <p:spTree>
+      <p:nvGrpSpPr>
+        <p:cNvPr id="1" name="">
+          <a:extLst>
+            <a:ext uri="{FF2B5EF4-FFF2-40B4-BE49-F238E27FC236}">
+              <a16:creationId xmlns:a16="http://schemas.microsoft.com/office/drawing/2014/main" id="{05645E91-0B5C-C2FC-C983-7ACAE9DCBD7A}"/>
+            </a:ext>
+          </a:extLst>
+        </p:cNvPr>
+        <p:cNvGrpSpPr/>
+        <p:nvPr/>
+      </p:nvGrpSpPr>
+      <p:grpSpPr>
+        <a:xfrm>
+          <a:off x="0" y="0"/>
+          <a:ext cx="0" cy="0"/>
+          <a:chOff x="0" y="0"/>
+          <a:chExt cx="0" cy="0"/>
+        </a:xfrm>
+      </p:grpSpPr>
+      <p:sp>
+        <p:nvSpPr>
+          <p:cNvPr id="2" name="Title 1">
+            <a:extLst>
+              <a:ext uri="{FF2B5EF4-FFF2-40B4-BE49-F238E27FC236}">
+                <a16:creationId xmlns:a16="http://schemas.microsoft.com/office/drawing/2014/main" id="{B851D438-6A69-6BF0-9164-22C64BBC1366}"/>
+              </a:ext>
+            </a:extLst>
+          </p:cNvPr>
+          <p:cNvSpPr>
+            <a:spLocks noGrp="1"/>
+          </p:cNvSpPr>
+          <p:nvPr>
+            <p:ph type="title"/>
+          </p:nvPr>
+        </p:nvSpPr>
+        <p:spPr>
+          <a:xfrm>
+            <a:off x="838200" y="1"/>
+            <a:ext cx="10515600" cy="1275450"/>
+          </a:xfrm>
+        </p:spPr>
+        <p:txBody>
+          <a:bodyPr>
+            <a:normAutofit/>
+          </a:bodyPr>
+          <a:lstStyle/>
+          <a:p>
+            <a:r>
+              <a:rPr lang="ru-RU" sz="4000" dirty="0"/>
+              <a:t>Описание собранного датасета</a:t>
+            </a:r>
+          </a:p>
+        </p:txBody>
+      </p:sp>
+      <p:sp>
+        <p:nvSpPr>
+          <p:cNvPr id="3" name="Content Placeholder 2">
+            <a:extLst>
+              <a:ext uri="{FF2B5EF4-FFF2-40B4-BE49-F238E27FC236}">
+                <a16:creationId xmlns:a16="http://schemas.microsoft.com/office/drawing/2014/main" id="{45209E4B-137E-FB77-8C59-9AF6982522C9}"/>
+              </a:ext>
+            </a:extLst>
+          </p:cNvPr>
+          <p:cNvSpPr>
+            <a:spLocks noGrp="1"/>
+          </p:cNvSpPr>
+          <p:nvPr>
+            <p:ph idx="1"/>
+          </p:nvPr>
+        </p:nvSpPr>
+        <p:spPr>
+          <a:xfrm>
+            <a:off x="838200" y="1315085"/>
+            <a:ext cx="10515600" cy="4351338"/>
+          </a:xfrm>
+        </p:spPr>
+        <p:txBody>
+          <a:bodyPr/>
+          <a:lstStyle/>
+          <a:p>
+            <a:endParaRPr lang="ru-RU" dirty="0"/>
+          </a:p>
+        </p:txBody>
+      </p:sp>
+    </p:spTree>
+    <p:extLst>
+      <p:ext uri="{BB962C8B-B14F-4D97-AF65-F5344CB8AC3E}">
+        <p14:creationId xmlns:p14="http://schemas.microsoft.com/office/powerpoint/2010/main" val="1840221360"/>
+      </p:ext>
+    </p:extLst>
+  </p:cSld>
+  <p:clrMapOvr>
+    <a:masterClrMapping/>
+  </p:clrMapOvr>
+</p:sld>
+</file>
+
+<file path=ppt/slides/slide7.xml><?xml version="1.0" encoding="utf-8"?>
+<p:sld xmlns:a="http://schemas.openxmlformats.org/drawingml/2006/main" xmlns:r="http://schemas.openxmlformats.org/officeDocument/2006/relationships" xmlns:p="http://schemas.openxmlformats.org/presentationml/2006/main">
+  <p:cSld>
+    <p:spTree>
+      <p:nvGrpSpPr>
+        <p:cNvPr id="1" name=""/>
+        <p:cNvGrpSpPr/>
+        <p:nvPr/>
+      </p:nvGrpSpPr>
+      <p:grpSpPr>
+        <a:xfrm>
+          <a:off x="0" y="0"/>
+          <a:ext cx="0" cy="0"/>
+          <a:chOff x="0" y="0"/>
+          <a:chExt cx="0" cy="0"/>
+        </a:xfrm>
+      </p:grpSpPr>
+      <p:sp>
+        <p:nvSpPr>
+          <p:cNvPr id="2" name="Title 1">
+            <a:extLst>
+              <a:ext uri="{FF2B5EF4-FFF2-40B4-BE49-F238E27FC236}">
+                <a16:creationId xmlns:a16="http://schemas.microsoft.com/office/drawing/2014/main" id="{79B07062-587E-9A4D-6824-84FA52E45CD4}"/>
+              </a:ext>
+            </a:extLst>
+          </p:cNvPr>
+          <p:cNvSpPr>
+            <a:spLocks noGrp="1"/>
+          </p:cNvSpPr>
+          <p:nvPr>
+            <p:ph type="title"/>
+          </p:nvPr>
+        </p:nvSpPr>
+        <p:spPr/>
+        <p:txBody>
+          <a:bodyPr/>
+          <a:lstStyle/>
+          <a:p>
+            <a:r>
+              <a:rPr lang="ru-RU" dirty="0"/>
+              <a:t>Описание датасета</a:t>
+            </a:r>
+          </a:p>
+        </p:txBody>
+      </p:sp>
+      <p:sp>
+        <p:nvSpPr>
+          <p:cNvPr id="3" name="Content Placeholder 2">
+            <a:extLst>
+              <a:ext uri="{FF2B5EF4-FFF2-40B4-BE49-F238E27FC236}">
+                <a16:creationId xmlns:a16="http://schemas.microsoft.com/office/drawing/2014/main" id="{B3792857-A479-4198-DAED-C7A36B3A9DC9}"/>
+              </a:ext>
+            </a:extLst>
+          </p:cNvPr>
+          <p:cNvSpPr>
+            <a:spLocks noGrp="1"/>
+          </p:cNvSpPr>
+          <p:nvPr>
+            <p:ph idx="1"/>
+          </p:nvPr>
+        </p:nvSpPr>
+        <p:spPr/>
+        <p:txBody>
+          <a:bodyPr/>
+          <a:lstStyle/>
+          <a:p>
+            <a:r>
+              <a:rPr lang="ru-RU" dirty="0"/>
+              <a:t>На сегодняшний день</a:t>
+            </a:r>
+          </a:p>
+        </p:txBody>
+      </p:sp>
+    </p:spTree>
+    <p:extLst>
+      <p:ext uri="{BB962C8B-B14F-4D97-AF65-F5344CB8AC3E}">
+        <p14:creationId xmlns:p14="http://schemas.microsoft.com/office/powerpoint/2010/main" val="1533542319"/>
       </p:ext>
     </p:extLst>
   </p:cSld>
